--- a/data/conclusao.pptx
+++ b/data/conclusao.pptx
@@ -104,6 +104,11 @@
       </a:defRPr>
     </a:lvl9pPr>
   </p:defaultTextStyle>
+  <p:extLst>
+    <p:ext uri="{EFAFB233-063F-42B5-8137-9DF3F51BA10A}">
+      <p15:sldGuideLst xmlns:p15="http://schemas.microsoft.com/office/powerpoint/2012/main"/>
+    </p:ext>
+  </p:extLst>
 </p:presentation>
 </file>
 
@@ -948,7 +953,7 @@
         <a:p>
           <a:r>
             <a:rPr lang="pt-PT" dirty="0"/>
-            <a:t>Cálculo das volatilidades</a:t>
+            <a:t>Aplicação dos modelos para cálculo da volatilidade</a:t>
           </a:r>
         </a:p>
       </dgm:t>
@@ -984,7 +989,7 @@
         <a:p>
           <a:r>
             <a:rPr lang="pt-PT" dirty="0"/>
-            <a:t>Simulação de dados até data vencimento das opções</a:t>
+            <a:t>Simulação de dados</a:t>
           </a:r>
         </a:p>
       </dgm:t>
@@ -1020,7 +1025,7 @@
         <a:p>
           <a:r>
             <a:rPr lang="pt-PT" dirty="0"/>
-            <a:t>Constituição de portfolios com base nos dados simulados</a:t>
+            <a:t>Constituição de portfolios para cada um dos modelos</a:t>
           </a:r>
         </a:p>
       </dgm:t>
@@ -1047,7 +1052,7 @@
         </a:p>
       </dgm:t>
     </dgm:pt>
-    <dgm:pt modelId="{759795FD-9D8B-4AC6-AA93-D36C8F33D42B}">
+    <dgm:pt modelId="{6DAE9984-989E-4499-8781-67E17B461D81}">
       <dgm:prSet phldrT="[Text]"/>
       <dgm:spPr/>
       <dgm:t>
@@ -1056,20 +1061,12 @@
         <a:p>
           <a:r>
             <a:rPr lang="pt-PT" dirty="0"/>
-            <a:t>Calculo do </a:t>
-          </a:r>
-          <a:r>
-            <a:rPr lang="pt-PT" dirty="0" err="1"/>
-            <a:t>VaR</a:t>
-          </a:r>
-          <a:r>
-            <a:rPr lang="pt-PT" dirty="0"/>
-            <a:t> para cada um dos portfolios</a:t>
+            <a:t>Estatística descritiva dos dados</a:t>
           </a:r>
         </a:p>
       </dgm:t>
     </dgm:pt>
-    <dgm:pt modelId="{ADE31F3C-5ED4-4CEA-B4F1-72BEADD99FE5}" type="parTrans" cxnId="{809C97F6-C9BD-4B1E-99FB-8A204F5B74F4}">
+    <dgm:pt modelId="{D805B30C-CA4B-4FA2-9219-C160CE819549}" type="parTrans" cxnId="{4F9B2B06-9706-4BA8-A2BD-2D011049E917}">
       <dgm:prSet/>
       <dgm:spPr/>
       <dgm:t>
@@ -1080,7 +1077,43 @@
         </a:p>
       </dgm:t>
     </dgm:pt>
-    <dgm:pt modelId="{6F5E5E1E-674A-4D0D-9147-C5D5F9C8B38D}" type="sibTrans" cxnId="{809C97F6-C9BD-4B1E-99FB-8A204F5B74F4}">
+    <dgm:pt modelId="{53CC315F-EC43-4F62-AADD-97ABDB49B920}" type="sibTrans" cxnId="{4F9B2B06-9706-4BA8-A2BD-2D011049E917}">
+      <dgm:prSet/>
+      <dgm:spPr/>
+      <dgm:t>
+        <a:bodyPr/>
+        <a:lstStyle/>
+        <a:p>
+          <a:endParaRPr lang="pt-PT"/>
+        </a:p>
+      </dgm:t>
+    </dgm:pt>
+    <dgm:pt modelId="{1BD9B106-87D1-4BB2-9A19-400D2E1B0EEC}">
+      <dgm:prSet phldrT="[Text]"/>
+      <dgm:spPr/>
+      <dgm:t>
+        <a:bodyPr/>
+        <a:lstStyle/>
+        <a:p>
+          <a:r>
+            <a:rPr lang="pt-PT" dirty="0"/>
+            <a:t>Análise dos modelos obtidos</a:t>
+          </a:r>
+        </a:p>
+      </dgm:t>
+    </dgm:pt>
+    <dgm:pt modelId="{D0DEF349-44B5-404F-A413-0B7A20E0B778}" type="parTrans" cxnId="{1276727C-D49E-406E-A0F0-836DA34E7A9B}">
+      <dgm:prSet/>
+      <dgm:spPr/>
+      <dgm:t>
+        <a:bodyPr/>
+        <a:lstStyle/>
+        <a:p>
+          <a:endParaRPr lang="pt-PT"/>
+        </a:p>
+      </dgm:t>
+    </dgm:pt>
+    <dgm:pt modelId="{23000437-9E8D-433A-9A30-91404926C415}" type="sibTrans" cxnId="{1276727C-D49E-406E-A0F0-836DA34E7A9B}">
       <dgm:prSet/>
       <dgm:spPr/>
       <dgm:t>
@@ -1101,7 +1134,7 @@
       <dgm:spPr/>
     </dgm:pt>
     <dgm:pt modelId="{6D6C8A3E-CB92-413E-8A21-47EC2F2DF307}" type="pres">
-      <dgm:prSet presAssocID="{83C8A0EB-AC54-4A56-ADE5-2576E8CAC39A}" presName="node" presStyleLbl="node1" presStyleIdx="0" presStyleCnt="5">
+      <dgm:prSet presAssocID="{83C8A0EB-AC54-4A56-ADE5-2576E8CAC39A}" presName="node" presStyleLbl="node1" presStyleIdx="0" presStyleCnt="6">
         <dgm:presLayoutVars>
           <dgm:bulletEnabled val="1"/>
         </dgm:presLayoutVars>
@@ -1109,15 +1142,31 @@
       <dgm:spPr/>
     </dgm:pt>
     <dgm:pt modelId="{34FD5814-864C-490D-A7FC-AFB4D56D32FA}" type="pres">
-      <dgm:prSet presAssocID="{7A7FBF92-E751-4F1B-A028-B3C94026301C}" presName="sibTrans" presStyleLbl="sibTrans1D1" presStyleIdx="0" presStyleCnt="4"/>
+      <dgm:prSet presAssocID="{7A7FBF92-E751-4F1B-A028-B3C94026301C}" presName="sibTrans" presStyleLbl="sibTrans1D1" presStyleIdx="0" presStyleCnt="5"/>
       <dgm:spPr/>
     </dgm:pt>
     <dgm:pt modelId="{BBA37F72-8621-4FA0-BA56-5C007C6A61C2}" type="pres">
-      <dgm:prSet presAssocID="{7A7FBF92-E751-4F1B-A028-B3C94026301C}" presName="connectorText" presStyleLbl="sibTrans1D1" presStyleIdx="0" presStyleCnt="4"/>
+      <dgm:prSet presAssocID="{7A7FBF92-E751-4F1B-A028-B3C94026301C}" presName="connectorText" presStyleLbl="sibTrans1D1" presStyleIdx="0" presStyleCnt="5"/>
+      <dgm:spPr/>
+    </dgm:pt>
+    <dgm:pt modelId="{6B8E8396-4CB4-46AA-8DC3-353597147330}" type="pres">
+      <dgm:prSet presAssocID="{6DAE9984-989E-4499-8781-67E17B461D81}" presName="node" presStyleLbl="node1" presStyleIdx="1" presStyleCnt="6">
+        <dgm:presLayoutVars>
+          <dgm:bulletEnabled val="1"/>
+        </dgm:presLayoutVars>
+      </dgm:prSet>
+      <dgm:spPr/>
+    </dgm:pt>
+    <dgm:pt modelId="{02ADFD94-2CFE-42F1-A30B-E80C7F0A54D2}" type="pres">
+      <dgm:prSet presAssocID="{53CC315F-EC43-4F62-AADD-97ABDB49B920}" presName="sibTrans" presStyleLbl="sibTrans1D1" presStyleIdx="1" presStyleCnt="5"/>
+      <dgm:spPr/>
+    </dgm:pt>
+    <dgm:pt modelId="{656D3232-A82D-4568-B1C1-49DFF3B8DB88}" type="pres">
+      <dgm:prSet presAssocID="{53CC315F-EC43-4F62-AADD-97ABDB49B920}" presName="connectorText" presStyleLbl="sibTrans1D1" presStyleIdx="1" presStyleCnt="5"/>
       <dgm:spPr/>
     </dgm:pt>
     <dgm:pt modelId="{FD6BE1EA-7FAC-49EE-BBFF-5BE82494E3D3}" type="pres">
-      <dgm:prSet presAssocID="{A7D2C905-F43A-4902-B728-EBDD9E0F1DBC}" presName="node" presStyleLbl="node1" presStyleIdx="1" presStyleCnt="5">
+      <dgm:prSet presAssocID="{A7D2C905-F43A-4902-B728-EBDD9E0F1DBC}" presName="node" presStyleLbl="node1" presStyleIdx="2" presStyleCnt="6">
         <dgm:presLayoutVars>
           <dgm:bulletEnabled val="1"/>
         </dgm:presLayoutVars>
@@ -1125,15 +1174,15 @@
       <dgm:spPr/>
     </dgm:pt>
     <dgm:pt modelId="{88CF9720-E9BE-47D4-8557-DAA082A99B7E}" type="pres">
-      <dgm:prSet presAssocID="{526FB91F-E805-4C0F-BB4A-60214EA86245}" presName="sibTrans" presStyleLbl="sibTrans1D1" presStyleIdx="1" presStyleCnt="4"/>
+      <dgm:prSet presAssocID="{526FB91F-E805-4C0F-BB4A-60214EA86245}" presName="sibTrans" presStyleLbl="sibTrans1D1" presStyleIdx="2" presStyleCnt="5"/>
       <dgm:spPr/>
     </dgm:pt>
     <dgm:pt modelId="{58FC3BB7-4115-48F8-B6E7-07181D012124}" type="pres">
-      <dgm:prSet presAssocID="{526FB91F-E805-4C0F-BB4A-60214EA86245}" presName="connectorText" presStyleLbl="sibTrans1D1" presStyleIdx="1" presStyleCnt="4"/>
+      <dgm:prSet presAssocID="{526FB91F-E805-4C0F-BB4A-60214EA86245}" presName="connectorText" presStyleLbl="sibTrans1D1" presStyleIdx="2" presStyleCnt="5"/>
       <dgm:spPr/>
     </dgm:pt>
     <dgm:pt modelId="{34837B2E-93A2-47D5-AACD-116921ECD4DD}" type="pres">
-      <dgm:prSet presAssocID="{1FA9BA86-989F-4052-889F-1FD69B884DE0}" presName="node" presStyleLbl="node1" presStyleIdx="2" presStyleCnt="5">
+      <dgm:prSet presAssocID="{1FA9BA86-989F-4052-889F-1FD69B884DE0}" presName="node" presStyleLbl="node1" presStyleIdx="3" presStyleCnt="6">
         <dgm:presLayoutVars>
           <dgm:bulletEnabled val="1"/>
         </dgm:presLayoutVars>
@@ -1141,31 +1190,31 @@
       <dgm:spPr/>
     </dgm:pt>
     <dgm:pt modelId="{5FB4B4CF-85C2-474B-8BF7-BCA63EC52E2E}" type="pres">
-      <dgm:prSet presAssocID="{1E1473E7-3CCC-453F-A3F1-2FC1CBB2EA65}" presName="sibTrans" presStyleLbl="sibTrans1D1" presStyleIdx="2" presStyleCnt="4"/>
+      <dgm:prSet presAssocID="{1E1473E7-3CCC-453F-A3F1-2FC1CBB2EA65}" presName="sibTrans" presStyleLbl="sibTrans1D1" presStyleIdx="3" presStyleCnt="5"/>
       <dgm:spPr/>
     </dgm:pt>
     <dgm:pt modelId="{40A68BC4-C256-46C6-B5C1-A203E2F233D2}" type="pres">
-      <dgm:prSet presAssocID="{1E1473E7-3CCC-453F-A3F1-2FC1CBB2EA65}" presName="connectorText" presStyleLbl="sibTrans1D1" presStyleIdx="2" presStyleCnt="4"/>
+      <dgm:prSet presAssocID="{1E1473E7-3CCC-453F-A3F1-2FC1CBB2EA65}" presName="connectorText" presStyleLbl="sibTrans1D1" presStyleIdx="3" presStyleCnt="5"/>
       <dgm:spPr/>
     </dgm:pt>
     <dgm:pt modelId="{0CF00932-2D1F-4DC6-AC12-B87F8FE51E95}" type="pres">
-      <dgm:prSet presAssocID="{7069C9A2-CD53-441B-9BD1-018DB745F467}" presName="node" presStyleLbl="node1" presStyleIdx="3" presStyleCnt="5">
+      <dgm:prSet presAssocID="{7069C9A2-CD53-441B-9BD1-018DB745F467}" presName="node" presStyleLbl="node1" presStyleIdx="4" presStyleCnt="6">
         <dgm:presLayoutVars>
           <dgm:bulletEnabled val="1"/>
         </dgm:presLayoutVars>
       </dgm:prSet>
       <dgm:spPr/>
     </dgm:pt>
-    <dgm:pt modelId="{D57E8572-FEE7-4A01-A6EC-93489B121D39}" type="pres">
-      <dgm:prSet presAssocID="{784EC215-C010-47DB-B631-D26FB4351882}" presName="sibTrans" presStyleLbl="sibTrans1D1" presStyleIdx="3" presStyleCnt="4"/>
+    <dgm:pt modelId="{64050FFC-24B5-41FB-AFB0-A5C19B515232}" type="pres">
+      <dgm:prSet presAssocID="{784EC215-C010-47DB-B631-D26FB4351882}" presName="sibTrans" presStyleLbl="sibTrans1D1" presStyleIdx="4" presStyleCnt="5"/>
       <dgm:spPr/>
     </dgm:pt>
-    <dgm:pt modelId="{519340A2-FC21-415B-BFB8-EFADC552F8DF}" type="pres">
-      <dgm:prSet presAssocID="{784EC215-C010-47DB-B631-D26FB4351882}" presName="connectorText" presStyleLbl="sibTrans1D1" presStyleIdx="3" presStyleCnt="4"/>
+    <dgm:pt modelId="{5F7AF2EF-886E-4723-B229-D1D784E8FA42}" type="pres">
+      <dgm:prSet presAssocID="{784EC215-C010-47DB-B631-D26FB4351882}" presName="connectorText" presStyleLbl="sibTrans1D1" presStyleIdx="4" presStyleCnt="5"/>
       <dgm:spPr/>
     </dgm:pt>
-    <dgm:pt modelId="{97088E6E-C3FE-4F30-AE0A-DD98F78263A8}" type="pres">
-      <dgm:prSet presAssocID="{759795FD-9D8B-4AC6-AA93-D36C8F33D42B}" presName="node" presStyleLbl="node1" presStyleIdx="4" presStyleCnt="5">
+    <dgm:pt modelId="{F863E81F-7C75-4A71-ADCF-3849CA76DFFF}" type="pres">
+      <dgm:prSet presAssocID="{1BD9B106-87D1-4BB2-9A19-400D2E1B0EEC}" presName="node" presStyleLbl="node1" presStyleIdx="5" presStyleCnt="6">
         <dgm:presLayoutVars>
           <dgm:bulletEnabled val="1"/>
         </dgm:presLayoutVars>
@@ -1174,38 +1223,45 @@
     </dgm:pt>
   </dgm:ptLst>
   <dgm:cxnLst>
-    <dgm:cxn modelId="{33677309-0C03-43A7-BDF8-DA473AA524BA}" type="presOf" srcId="{784EC215-C010-47DB-B631-D26FB4351882}" destId="{519340A2-FC21-415B-BFB8-EFADC552F8DF}" srcOrd="1" destOrd="0" presId="urn:microsoft.com/office/officeart/2005/8/layout/bProcess3"/>
+    <dgm:cxn modelId="{4F9B2B06-9706-4BA8-A2BD-2D011049E917}" srcId="{E5769733-16F5-4EAC-8B72-563070AEC5B0}" destId="{6DAE9984-989E-4499-8781-67E17B461D81}" srcOrd="1" destOrd="0" parTransId="{D805B30C-CA4B-4FA2-9219-C160CE819549}" sibTransId="{53CC315F-EC43-4F62-AADD-97ABDB49B920}"/>
     <dgm:cxn modelId="{F805BF11-3F1A-4C5B-A1B1-5C076C6556E5}" type="presOf" srcId="{526FB91F-E805-4C0F-BB4A-60214EA86245}" destId="{88CF9720-E9BE-47D4-8557-DAA082A99B7E}" srcOrd="0" destOrd="0" presId="urn:microsoft.com/office/officeart/2005/8/layout/bProcess3"/>
     <dgm:cxn modelId="{E15E2113-DD66-42F3-94AB-5E5C18B040F7}" type="presOf" srcId="{83C8A0EB-AC54-4A56-ADE5-2576E8CAC39A}" destId="{6D6C8A3E-CB92-413E-8A21-47EC2F2DF307}" srcOrd="0" destOrd="0" presId="urn:microsoft.com/office/officeart/2005/8/layout/bProcess3"/>
     <dgm:cxn modelId="{B44A8417-81E5-484C-BB84-8A9B3AD31A5B}" type="presOf" srcId="{E5769733-16F5-4EAC-8B72-563070AEC5B0}" destId="{0228F5AC-7265-450A-8048-7FD83089F102}" srcOrd="0" destOrd="0" presId="urn:microsoft.com/office/officeart/2005/8/layout/bProcess3"/>
     <dgm:cxn modelId="{F2F3051A-DE93-4594-9C3B-E7E13BA08465}" srcId="{E5769733-16F5-4EAC-8B72-563070AEC5B0}" destId="{83C8A0EB-AC54-4A56-ADE5-2576E8CAC39A}" srcOrd="0" destOrd="0" parTransId="{BC753F9E-C3EE-4208-A6E5-C63E67A56AE2}" sibTransId="{7A7FBF92-E751-4F1B-A028-B3C94026301C}"/>
     <dgm:cxn modelId="{C1F52B21-7B55-4A9B-8D64-344FA2726ED4}" type="presOf" srcId="{A7D2C905-F43A-4902-B728-EBDD9E0F1DBC}" destId="{FD6BE1EA-7FAC-49EE-BBFF-5BE82494E3D3}" srcOrd="0" destOrd="0" presId="urn:microsoft.com/office/officeart/2005/8/layout/bProcess3"/>
-    <dgm:cxn modelId="{28C6E142-FA56-45E1-947B-60ADA1DA7EA8}" srcId="{E5769733-16F5-4EAC-8B72-563070AEC5B0}" destId="{1FA9BA86-989F-4052-889F-1FD69B884DE0}" srcOrd="2" destOrd="0" parTransId="{BAA9DE06-278E-4C52-939D-5A8867AAB6A7}" sibTransId="{1E1473E7-3CCC-453F-A3F1-2FC1CBB2EA65}"/>
-    <dgm:cxn modelId="{27C94B43-B830-495D-8F1F-3946E8795A89}" srcId="{E5769733-16F5-4EAC-8B72-563070AEC5B0}" destId="{7069C9A2-CD53-441B-9BD1-018DB745F467}" srcOrd="3" destOrd="0" parTransId="{DD1CAF8B-3E8E-4BE6-97ED-2783843D24DB}" sibTransId="{784EC215-C010-47DB-B631-D26FB4351882}"/>
+    <dgm:cxn modelId="{60415925-ACEB-414F-B310-0AE1C1579426}" type="presOf" srcId="{53CC315F-EC43-4F62-AADD-97ABDB49B920}" destId="{02ADFD94-2CFE-42F1-A30B-E80C7F0A54D2}" srcOrd="0" destOrd="0" presId="urn:microsoft.com/office/officeart/2005/8/layout/bProcess3"/>
+    <dgm:cxn modelId="{B0158942-9CE9-47DB-A4E0-8BB9ACE3C248}" type="presOf" srcId="{784EC215-C010-47DB-B631-D26FB4351882}" destId="{64050FFC-24B5-41FB-AFB0-A5C19B515232}" srcOrd="0" destOrd="0" presId="urn:microsoft.com/office/officeart/2005/8/layout/bProcess3"/>
+    <dgm:cxn modelId="{28C6E142-FA56-45E1-947B-60ADA1DA7EA8}" srcId="{E5769733-16F5-4EAC-8B72-563070AEC5B0}" destId="{1FA9BA86-989F-4052-889F-1FD69B884DE0}" srcOrd="3" destOrd="0" parTransId="{BAA9DE06-278E-4C52-939D-5A8867AAB6A7}" sibTransId="{1E1473E7-3CCC-453F-A3F1-2FC1CBB2EA65}"/>
+    <dgm:cxn modelId="{27C94B43-B830-495D-8F1F-3946E8795A89}" srcId="{E5769733-16F5-4EAC-8B72-563070AEC5B0}" destId="{7069C9A2-CD53-441B-9BD1-018DB745F467}" srcOrd="4" destOrd="0" parTransId="{DD1CAF8B-3E8E-4BE6-97ED-2783843D24DB}" sibTransId="{784EC215-C010-47DB-B631-D26FB4351882}"/>
     <dgm:cxn modelId="{9385AD4B-1A07-44E8-8CAA-1207F25068B2}" type="presOf" srcId="{7A7FBF92-E751-4F1B-A028-B3C94026301C}" destId="{BBA37F72-8621-4FA0-BA56-5C007C6A61C2}" srcOrd="1" destOrd="0" presId="urn:microsoft.com/office/officeart/2005/8/layout/bProcess3"/>
     <dgm:cxn modelId="{5CE55D53-84FC-416F-B884-8A23D8B1E0F8}" type="presOf" srcId="{1E1473E7-3CCC-453F-A3F1-2FC1CBB2EA65}" destId="{40A68BC4-C256-46C6-B5C1-A203E2F233D2}" srcOrd="1" destOrd="0" presId="urn:microsoft.com/office/officeart/2005/8/layout/bProcess3"/>
     <dgm:cxn modelId="{53FF7778-09D7-4CF1-8237-8236DEA10792}" type="presOf" srcId="{526FB91F-E805-4C0F-BB4A-60214EA86245}" destId="{58FC3BB7-4115-48F8-B6E7-07181D012124}" srcOrd="1" destOrd="0" presId="urn:microsoft.com/office/officeart/2005/8/layout/bProcess3"/>
+    <dgm:cxn modelId="{1276727C-D49E-406E-A0F0-836DA34E7A9B}" srcId="{E5769733-16F5-4EAC-8B72-563070AEC5B0}" destId="{1BD9B106-87D1-4BB2-9A19-400D2E1B0EEC}" srcOrd="5" destOrd="0" parTransId="{D0DEF349-44B5-404F-A413-0B7A20E0B778}" sibTransId="{23000437-9E8D-433A-9A30-91404926C415}"/>
     <dgm:cxn modelId="{C9F76380-3271-4522-883F-DA4D1BEC4B08}" type="presOf" srcId="{1E1473E7-3CCC-453F-A3F1-2FC1CBB2EA65}" destId="{5FB4B4CF-85C2-474B-8BF7-BCA63EC52E2E}" srcOrd="0" destOrd="0" presId="urn:microsoft.com/office/officeart/2005/8/layout/bProcess3"/>
     <dgm:cxn modelId="{01BDC880-33CF-4DE2-9D66-6015B86212C6}" type="presOf" srcId="{1FA9BA86-989F-4052-889F-1FD69B884DE0}" destId="{34837B2E-93A2-47D5-AACD-116921ECD4DD}" srcOrd="0" destOrd="0" presId="urn:microsoft.com/office/officeart/2005/8/layout/bProcess3"/>
-    <dgm:cxn modelId="{179AB188-5348-4BBA-88B0-9884FF584946}" srcId="{E5769733-16F5-4EAC-8B72-563070AEC5B0}" destId="{A7D2C905-F43A-4902-B728-EBDD9E0F1DBC}" srcOrd="1" destOrd="0" parTransId="{7B7A26DE-3C63-4314-A175-84B131E60C4F}" sibTransId="{526FB91F-E805-4C0F-BB4A-60214EA86245}"/>
+    <dgm:cxn modelId="{179AB188-5348-4BBA-88B0-9884FF584946}" srcId="{E5769733-16F5-4EAC-8B72-563070AEC5B0}" destId="{A7D2C905-F43A-4902-B728-EBDD9E0F1DBC}" srcOrd="2" destOrd="0" parTransId="{7B7A26DE-3C63-4314-A175-84B131E60C4F}" sibTransId="{526FB91F-E805-4C0F-BB4A-60214EA86245}"/>
     <dgm:cxn modelId="{36D81492-4B89-4162-8D78-36FE022AD0DA}" type="presOf" srcId="{7A7FBF92-E751-4F1B-A028-B3C94026301C}" destId="{34FD5814-864C-490D-A7FC-AFB4D56D32FA}" srcOrd="0" destOrd="0" presId="urn:microsoft.com/office/officeart/2005/8/layout/bProcess3"/>
-    <dgm:cxn modelId="{5384C09D-449E-4D10-8CA8-FBA24FDD6B7A}" type="presOf" srcId="{759795FD-9D8B-4AC6-AA93-D36C8F33D42B}" destId="{97088E6E-C3FE-4F30-AE0A-DD98F78263A8}" srcOrd="0" destOrd="0" presId="urn:microsoft.com/office/officeart/2005/8/layout/bProcess3"/>
     <dgm:cxn modelId="{58D829A0-9342-4B22-A955-ACFC750A4F5A}" type="presOf" srcId="{7069C9A2-CD53-441B-9BD1-018DB745F467}" destId="{0CF00932-2D1F-4DC6-AC12-B87F8FE51E95}" srcOrd="0" destOrd="0" presId="urn:microsoft.com/office/officeart/2005/8/layout/bProcess3"/>
-    <dgm:cxn modelId="{CC2D0CF6-5539-48A0-8268-0006EDBCB10B}" type="presOf" srcId="{784EC215-C010-47DB-B631-D26FB4351882}" destId="{D57E8572-FEE7-4A01-A6EC-93489B121D39}" srcOrd="0" destOrd="0" presId="urn:microsoft.com/office/officeart/2005/8/layout/bProcess3"/>
-    <dgm:cxn modelId="{809C97F6-C9BD-4B1E-99FB-8A204F5B74F4}" srcId="{E5769733-16F5-4EAC-8B72-563070AEC5B0}" destId="{759795FD-9D8B-4AC6-AA93-D36C8F33D42B}" srcOrd="4" destOrd="0" parTransId="{ADE31F3C-5ED4-4CEA-B4F1-72BEADD99FE5}" sibTransId="{6F5E5E1E-674A-4D0D-9147-C5D5F9C8B38D}"/>
+    <dgm:cxn modelId="{0F3653D6-5F8E-4F8B-B7C2-A919CB4601BF}" type="presOf" srcId="{784EC215-C010-47DB-B631-D26FB4351882}" destId="{5F7AF2EF-886E-4723-B229-D1D784E8FA42}" srcOrd="1" destOrd="0" presId="urn:microsoft.com/office/officeart/2005/8/layout/bProcess3"/>
+    <dgm:cxn modelId="{BCCE31DC-8902-41A5-86EC-4C472F6EACD8}" type="presOf" srcId="{6DAE9984-989E-4499-8781-67E17B461D81}" destId="{6B8E8396-4CB4-46AA-8DC3-353597147330}" srcOrd="0" destOrd="0" presId="urn:microsoft.com/office/officeart/2005/8/layout/bProcess3"/>
+    <dgm:cxn modelId="{7B36C7E6-590E-4A23-8C71-F6E103B0D88F}" type="presOf" srcId="{53CC315F-EC43-4F62-AADD-97ABDB49B920}" destId="{656D3232-A82D-4568-B1C1-49DFF3B8DB88}" srcOrd="1" destOrd="0" presId="urn:microsoft.com/office/officeart/2005/8/layout/bProcess3"/>
+    <dgm:cxn modelId="{A59C60E9-DD81-4CE3-AD19-14147EB1062F}" type="presOf" srcId="{1BD9B106-87D1-4BB2-9A19-400D2E1B0EEC}" destId="{F863E81F-7C75-4A71-ADCF-3849CA76DFFF}" srcOrd="0" destOrd="0" presId="urn:microsoft.com/office/officeart/2005/8/layout/bProcess3"/>
     <dgm:cxn modelId="{8267FA49-C330-45FF-A707-77995CB4D209}" type="presParOf" srcId="{0228F5AC-7265-450A-8048-7FD83089F102}" destId="{6D6C8A3E-CB92-413E-8A21-47EC2F2DF307}" srcOrd="0" destOrd="0" presId="urn:microsoft.com/office/officeart/2005/8/layout/bProcess3"/>
     <dgm:cxn modelId="{54BE3557-FECE-40E7-B200-6D03FF47398F}" type="presParOf" srcId="{0228F5AC-7265-450A-8048-7FD83089F102}" destId="{34FD5814-864C-490D-A7FC-AFB4D56D32FA}" srcOrd="1" destOrd="0" presId="urn:microsoft.com/office/officeart/2005/8/layout/bProcess3"/>
     <dgm:cxn modelId="{0E74CDF2-8A20-46B3-A478-3C1EB6682342}" type="presParOf" srcId="{34FD5814-864C-490D-A7FC-AFB4D56D32FA}" destId="{BBA37F72-8621-4FA0-BA56-5C007C6A61C2}" srcOrd="0" destOrd="0" presId="urn:microsoft.com/office/officeart/2005/8/layout/bProcess3"/>
-    <dgm:cxn modelId="{CA524FBC-735C-4F10-8B92-2273899817ED}" type="presParOf" srcId="{0228F5AC-7265-450A-8048-7FD83089F102}" destId="{FD6BE1EA-7FAC-49EE-BBFF-5BE82494E3D3}" srcOrd="2" destOrd="0" presId="urn:microsoft.com/office/officeart/2005/8/layout/bProcess3"/>
-    <dgm:cxn modelId="{87260F9D-81B7-4800-A634-4DEE2BFAF2F1}" type="presParOf" srcId="{0228F5AC-7265-450A-8048-7FD83089F102}" destId="{88CF9720-E9BE-47D4-8557-DAA082A99B7E}" srcOrd="3" destOrd="0" presId="urn:microsoft.com/office/officeart/2005/8/layout/bProcess3"/>
+    <dgm:cxn modelId="{F003FCAB-78F4-4B7F-8B83-C098836080F9}" type="presParOf" srcId="{0228F5AC-7265-450A-8048-7FD83089F102}" destId="{6B8E8396-4CB4-46AA-8DC3-353597147330}" srcOrd="2" destOrd="0" presId="urn:microsoft.com/office/officeart/2005/8/layout/bProcess3"/>
+    <dgm:cxn modelId="{F8D48068-AB52-41A8-9BB2-F257E6C94348}" type="presParOf" srcId="{0228F5AC-7265-450A-8048-7FD83089F102}" destId="{02ADFD94-2CFE-42F1-A30B-E80C7F0A54D2}" srcOrd="3" destOrd="0" presId="urn:microsoft.com/office/officeart/2005/8/layout/bProcess3"/>
+    <dgm:cxn modelId="{1501A380-6EE6-4909-8305-094C31779132}" type="presParOf" srcId="{02ADFD94-2CFE-42F1-A30B-E80C7F0A54D2}" destId="{656D3232-A82D-4568-B1C1-49DFF3B8DB88}" srcOrd="0" destOrd="0" presId="urn:microsoft.com/office/officeart/2005/8/layout/bProcess3"/>
+    <dgm:cxn modelId="{CA524FBC-735C-4F10-8B92-2273899817ED}" type="presParOf" srcId="{0228F5AC-7265-450A-8048-7FD83089F102}" destId="{FD6BE1EA-7FAC-49EE-BBFF-5BE82494E3D3}" srcOrd="4" destOrd="0" presId="urn:microsoft.com/office/officeart/2005/8/layout/bProcess3"/>
+    <dgm:cxn modelId="{87260F9D-81B7-4800-A634-4DEE2BFAF2F1}" type="presParOf" srcId="{0228F5AC-7265-450A-8048-7FD83089F102}" destId="{88CF9720-E9BE-47D4-8557-DAA082A99B7E}" srcOrd="5" destOrd="0" presId="urn:microsoft.com/office/officeart/2005/8/layout/bProcess3"/>
     <dgm:cxn modelId="{B1F95E5A-6202-4235-9F0F-9A0B5E17E673}" type="presParOf" srcId="{88CF9720-E9BE-47D4-8557-DAA082A99B7E}" destId="{58FC3BB7-4115-48F8-B6E7-07181D012124}" srcOrd="0" destOrd="0" presId="urn:microsoft.com/office/officeart/2005/8/layout/bProcess3"/>
-    <dgm:cxn modelId="{2B7D671F-DD3B-4080-928B-B1FF6F3DB17C}" type="presParOf" srcId="{0228F5AC-7265-450A-8048-7FD83089F102}" destId="{34837B2E-93A2-47D5-AACD-116921ECD4DD}" srcOrd="4" destOrd="0" presId="urn:microsoft.com/office/officeart/2005/8/layout/bProcess3"/>
-    <dgm:cxn modelId="{35758869-695C-4FFA-BF08-5316BA8961D4}" type="presParOf" srcId="{0228F5AC-7265-450A-8048-7FD83089F102}" destId="{5FB4B4CF-85C2-474B-8BF7-BCA63EC52E2E}" srcOrd="5" destOrd="0" presId="urn:microsoft.com/office/officeart/2005/8/layout/bProcess3"/>
+    <dgm:cxn modelId="{2B7D671F-DD3B-4080-928B-B1FF6F3DB17C}" type="presParOf" srcId="{0228F5AC-7265-450A-8048-7FD83089F102}" destId="{34837B2E-93A2-47D5-AACD-116921ECD4DD}" srcOrd="6" destOrd="0" presId="urn:microsoft.com/office/officeart/2005/8/layout/bProcess3"/>
+    <dgm:cxn modelId="{35758869-695C-4FFA-BF08-5316BA8961D4}" type="presParOf" srcId="{0228F5AC-7265-450A-8048-7FD83089F102}" destId="{5FB4B4CF-85C2-474B-8BF7-BCA63EC52E2E}" srcOrd="7" destOrd="0" presId="urn:microsoft.com/office/officeart/2005/8/layout/bProcess3"/>
     <dgm:cxn modelId="{1A7070E4-D98C-4F68-A72B-06A65B229942}" type="presParOf" srcId="{5FB4B4CF-85C2-474B-8BF7-BCA63EC52E2E}" destId="{40A68BC4-C256-46C6-B5C1-A203E2F233D2}" srcOrd="0" destOrd="0" presId="urn:microsoft.com/office/officeart/2005/8/layout/bProcess3"/>
-    <dgm:cxn modelId="{E6A6A052-0A9B-4F28-9DA3-2E4CE2C63703}" type="presParOf" srcId="{0228F5AC-7265-450A-8048-7FD83089F102}" destId="{0CF00932-2D1F-4DC6-AC12-B87F8FE51E95}" srcOrd="6" destOrd="0" presId="urn:microsoft.com/office/officeart/2005/8/layout/bProcess3"/>
-    <dgm:cxn modelId="{48FAB243-2A22-4818-AD74-A54480E8D146}" type="presParOf" srcId="{0228F5AC-7265-450A-8048-7FD83089F102}" destId="{D57E8572-FEE7-4A01-A6EC-93489B121D39}" srcOrd="7" destOrd="0" presId="urn:microsoft.com/office/officeart/2005/8/layout/bProcess3"/>
-    <dgm:cxn modelId="{635BE8B9-53CD-4ABE-9DE3-2F2FB8BE1177}" type="presParOf" srcId="{D57E8572-FEE7-4A01-A6EC-93489B121D39}" destId="{519340A2-FC21-415B-BFB8-EFADC552F8DF}" srcOrd="0" destOrd="0" presId="urn:microsoft.com/office/officeart/2005/8/layout/bProcess3"/>
-    <dgm:cxn modelId="{3B3960F9-EDEA-40B5-8019-C09D221C46E7}" type="presParOf" srcId="{0228F5AC-7265-450A-8048-7FD83089F102}" destId="{97088E6E-C3FE-4F30-AE0A-DD98F78263A8}" srcOrd="8" destOrd="0" presId="urn:microsoft.com/office/officeart/2005/8/layout/bProcess3"/>
+    <dgm:cxn modelId="{E6A6A052-0A9B-4F28-9DA3-2E4CE2C63703}" type="presParOf" srcId="{0228F5AC-7265-450A-8048-7FD83089F102}" destId="{0CF00932-2D1F-4DC6-AC12-B87F8FE51E95}" srcOrd="8" destOrd="0" presId="urn:microsoft.com/office/officeart/2005/8/layout/bProcess3"/>
+    <dgm:cxn modelId="{D89281E0-586D-4E6B-AFBA-5256770EB157}" type="presParOf" srcId="{0228F5AC-7265-450A-8048-7FD83089F102}" destId="{64050FFC-24B5-41FB-AFB0-A5C19B515232}" srcOrd="9" destOrd="0" presId="urn:microsoft.com/office/officeart/2005/8/layout/bProcess3"/>
+    <dgm:cxn modelId="{1D300F49-8F4A-413A-88EF-483074C9E2BD}" type="presParOf" srcId="{64050FFC-24B5-41FB-AFB0-A5C19B515232}" destId="{5F7AF2EF-886E-4723-B229-D1D784E8FA42}" srcOrd="0" destOrd="0" presId="urn:microsoft.com/office/officeart/2005/8/layout/bProcess3"/>
+    <dgm:cxn modelId="{1402FB6A-A918-48C4-B07E-1C6A23809B27}" type="presParOf" srcId="{0228F5AC-7265-450A-8048-7FD83089F102}" destId="{F863E81F-7C75-4A71-ADCF-3849CA76DFFF}" srcOrd="10" destOrd="0" presId="urn:microsoft.com/office/officeart/2005/8/layout/bProcess3"/>
   </dgm:cxnLst>
   <dgm:bg/>
   <dgm:whole/>
@@ -1411,7 +1467,7 @@
         <a:ext cx="2397125" cy="1438275"/>
       </dsp:txXfrm>
     </dsp:sp>
-    <dsp:sp modelId="{88CF9720-E9BE-47D4-8557-DAA082A99B7E}">
+    <dsp:sp modelId="{02ADFD94-2CFE-42F1-A30B-E80C7F0A54D2}">
       <dsp:nvSpPr>
         <dsp:cNvPr id="0" name=""/>
         <dsp:cNvSpPr/>
@@ -1448,9 +1504,9 @@
         <a:ln w="6350" cap="flat" cmpd="sng" algn="ctr">
           <a:solidFill>
             <a:schemeClr val="accent4">
-              <a:hueOff val="3266964"/>
-              <a:satOff val="-13592"/>
-              <a:lumOff val="3203"/>
+              <a:hueOff val="2450223"/>
+              <a:satOff val="-10194"/>
+              <a:lumOff val="2402"/>
               <a:alphaOff val="0"/>
             </a:schemeClr>
           </a:solidFill>
@@ -1498,7 +1554,7 @@
         <a:ext cx="149978" cy="5513"/>
       </dsp:txXfrm>
     </dsp:sp>
-    <dsp:sp modelId="{FD6BE1EA-7FAC-49EE-BBFF-5BE82494E3D3}">
+    <dsp:sp modelId="{6B8E8396-4CB4-46AA-8DC3-353597147330}">
       <dsp:nvSpPr>
         <dsp:cNvPr id="0" name=""/>
         <dsp:cNvSpPr/>
@@ -1515,9 +1571,9 @@
           <a:gsLst>
             <a:gs pos="0">
               <a:schemeClr val="accent4">
-                <a:hueOff val="2450223"/>
-                <a:satOff val="-10194"/>
-                <a:lumOff val="2402"/>
+                <a:hueOff val="1960178"/>
+                <a:satOff val="-8155"/>
+                <a:lumOff val="1922"/>
                 <a:alphaOff val="0"/>
                 <a:satMod val="103000"/>
                 <a:lumMod val="102000"/>
@@ -1526,9 +1582,9 @@
             </a:gs>
             <a:gs pos="50000">
               <a:schemeClr val="accent4">
-                <a:hueOff val="2450223"/>
-                <a:satOff val="-10194"/>
-                <a:lumOff val="2402"/>
+                <a:hueOff val="1960178"/>
+                <a:satOff val="-8155"/>
+                <a:lumOff val="1922"/>
                 <a:alphaOff val="0"/>
                 <a:satMod val="110000"/>
                 <a:lumMod val="100000"/>
@@ -1537,9 +1593,9 @@
             </a:gs>
             <a:gs pos="100000">
               <a:schemeClr val="accent4">
-                <a:hueOff val="2450223"/>
-                <a:satOff val="-10194"/>
-                <a:lumOff val="2402"/>
+                <a:hueOff val="1960178"/>
+                <a:satOff val="-8155"/>
+                <a:lumOff val="1922"/>
                 <a:alphaOff val="0"/>
                 <a:lumMod val="99000"/>
                 <a:satMod val="120000"/>
@@ -1594,7 +1650,7 @@
           </a:pPr>
           <a:r>
             <a:rPr lang="pt-PT" sz="2000" kern="1200" dirty="0"/>
-            <a:t>Cálculo das volatilidades</a:t>
+            <a:t>Estatística descritiva dos dados</a:t>
           </a:r>
         </a:p>
       </dsp:txBody>
@@ -1603,7 +1659,7 @@
         <a:ext cx="2397125" cy="1438275"/>
       </dsp:txXfrm>
     </dsp:sp>
-    <dsp:sp modelId="{5FB4B4CF-85C2-474B-8BF7-BCA63EC52E2E}">
+    <dsp:sp modelId="{88CF9720-E9BE-47D4-8557-DAA082A99B7E}">
       <dsp:nvSpPr>
         <dsp:cNvPr id="0" name=""/>
         <dsp:cNvSpPr/>
@@ -1634,9 +1690,9 @@
         <a:ln w="6350" cap="flat" cmpd="sng" algn="ctr">
           <a:solidFill>
             <a:schemeClr val="accent4">
-              <a:hueOff val="6533927"/>
-              <a:satOff val="-27185"/>
-              <a:lumOff val="6405"/>
+              <a:hueOff val="4900445"/>
+              <a:satOff val="-20388"/>
+              <a:lumOff val="4804"/>
               <a:alphaOff val="0"/>
             </a:schemeClr>
           </a:solidFill>
@@ -1684,7 +1740,7 @@
         <a:ext cx="27566" cy="5513"/>
       </dsp:txXfrm>
     </dsp:sp>
-    <dsp:sp modelId="{34837B2E-93A2-47D5-AACD-116921ECD4DD}">
+    <dsp:sp modelId="{FD6BE1EA-7FAC-49EE-BBFF-5BE82494E3D3}">
       <dsp:nvSpPr>
         <dsp:cNvPr id="0" name=""/>
         <dsp:cNvSpPr/>
@@ -1701,9 +1757,9 @@
           <a:gsLst>
             <a:gs pos="0">
               <a:schemeClr val="accent4">
-                <a:hueOff val="4900445"/>
-                <a:satOff val="-20388"/>
-                <a:lumOff val="4804"/>
+                <a:hueOff val="3920356"/>
+                <a:satOff val="-16311"/>
+                <a:lumOff val="3843"/>
                 <a:alphaOff val="0"/>
                 <a:satMod val="103000"/>
                 <a:lumMod val="102000"/>
@@ -1712,9 +1768,9 @@
             </a:gs>
             <a:gs pos="50000">
               <a:schemeClr val="accent4">
-                <a:hueOff val="4900445"/>
-                <a:satOff val="-20388"/>
-                <a:lumOff val="4804"/>
+                <a:hueOff val="3920356"/>
+                <a:satOff val="-16311"/>
+                <a:lumOff val="3843"/>
                 <a:alphaOff val="0"/>
                 <a:satMod val="110000"/>
                 <a:lumMod val="100000"/>
@@ -1723,9 +1779,9 @@
             </a:gs>
             <a:gs pos="100000">
               <a:schemeClr val="accent4">
-                <a:hueOff val="4900445"/>
-                <a:satOff val="-20388"/>
-                <a:lumOff val="4804"/>
+                <a:hueOff val="3920356"/>
+                <a:satOff val="-16311"/>
+                <a:lumOff val="3843"/>
                 <a:alphaOff val="0"/>
                 <a:lumMod val="99000"/>
                 <a:satMod val="120000"/>
@@ -1780,7 +1836,7 @@
           </a:pPr>
           <a:r>
             <a:rPr lang="pt-PT" sz="2000" kern="1200" dirty="0"/>
-            <a:t>Simulação de dados até data vencimento das opções</a:t>
+            <a:t>Aplicação dos modelos para cálculo da volatilidade</a:t>
           </a:r>
         </a:p>
       </dsp:txBody>
@@ -1789,7 +1845,7 @@
         <a:ext cx="2397125" cy="1438275"/>
       </dsp:txXfrm>
     </dsp:sp>
-    <dsp:sp modelId="{D57E8572-FEE7-4A01-A6EC-93489B121D39}">
+    <dsp:sp modelId="{5FB4B4CF-85C2-474B-8BF7-BCA63EC52E2E}">
       <dsp:nvSpPr>
         <dsp:cNvPr id="0" name=""/>
         <dsp:cNvSpPr/>
@@ -1818,6 +1874,192 @@
               </a:lnTo>
               <a:lnTo>
                 <a:pt x="0" y="520738"/>
+              </a:lnTo>
+            </a:path>
+          </a:pathLst>
+        </a:custGeom>
+        <a:noFill/>
+        <a:ln w="6350" cap="flat" cmpd="sng" algn="ctr">
+          <a:solidFill>
+            <a:schemeClr val="accent4">
+              <a:hueOff val="7350668"/>
+              <a:satOff val="-30583"/>
+              <a:lumOff val="7206"/>
+              <a:alphaOff val="0"/>
+            </a:schemeClr>
+          </a:solidFill>
+          <a:prstDash val="solid"/>
+          <a:miter lim="800000"/>
+          <a:tailEnd type="arrow"/>
+        </a:ln>
+        <a:effectLst/>
+      </dsp:spPr>
+      <dsp:style>
+        <a:lnRef idx="1">
+          <a:scrgbClr r="0" g="0" b="0"/>
+        </a:lnRef>
+        <a:fillRef idx="0">
+          <a:scrgbClr r="0" g="0" b="0"/>
+        </a:fillRef>
+        <a:effectRef idx="0">
+          <a:scrgbClr r="0" g="0" b="0"/>
+        </a:effectRef>
+        <a:fontRef idx="minor"/>
+      </dsp:style>
+      <dsp:txBody>
+        <a:bodyPr spcFirstLastPara="0" vert="horz" wrap="square" lIns="12700" tIns="0" rIns="12700" bIns="0" numCol="1" spcCol="1270" anchor="ctr" anchorCtr="0">
+          <a:noAutofit/>
+        </a:bodyPr>
+        <a:lstStyle/>
+        <a:p>
+          <a:pPr marL="0" lvl="0" indent="0" algn="ctr" defTabSz="222250">
+            <a:lnSpc>
+              <a:spcPct val="90000"/>
+            </a:lnSpc>
+            <a:spcBef>
+              <a:spcPct val="0"/>
+            </a:spcBef>
+            <a:spcAft>
+              <a:spcPct val="35000"/>
+            </a:spcAft>
+            <a:buNone/>
+          </a:pPr>
+          <a:endParaRPr lang="pt-PT" sz="500" kern="1200"/>
+        </a:p>
+      </dsp:txBody>
+      <dsp:txXfrm>
+        <a:off x="3989010" y="3684283"/>
+        <a:ext cx="149978" cy="5513"/>
+      </dsp:txXfrm>
+    </dsp:sp>
+    <dsp:sp modelId="{34837B2E-93A2-47D5-AACD-116921ECD4DD}">
+      <dsp:nvSpPr>
+        <dsp:cNvPr id="0" name=""/>
+        <dsp:cNvSpPr/>
+      </dsp:nvSpPr>
+      <dsp:spPr>
+        <a:xfrm>
+          <a:off x="4339669" y="1990196"/>
+          <a:ext cx="2397125" cy="1438275"/>
+        </a:xfrm>
+        <a:prstGeom prst="rect">
+          <a:avLst/>
+        </a:prstGeom>
+        <a:gradFill rotWithShape="0">
+          <a:gsLst>
+            <a:gs pos="0">
+              <a:schemeClr val="accent4">
+                <a:hueOff val="5880535"/>
+                <a:satOff val="-24466"/>
+                <a:lumOff val="5765"/>
+                <a:alphaOff val="0"/>
+                <a:satMod val="103000"/>
+                <a:lumMod val="102000"/>
+                <a:tint val="94000"/>
+              </a:schemeClr>
+            </a:gs>
+            <a:gs pos="50000">
+              <a:schemeClr val="accent4">
+                <a:hueOff val="5880535"/>
+                <a:satOff val="-24466"/>
+                <a:lumOff val="5765"/>
+                <a:alphaOff val="0"/>
+                <a:satMod val="110000"/>
+                <a:lumMod val="100000"/>
+                <a:shade val="100000"/>
+              </a:schemeClr>
+            </a:gs>
+            <a:gs pos="100000">
+              <a:schemeClr val="accent4">
+                <a:hueOff val="5880535"/>
+                <a:satOff val="-24466"/>
+                <a:lumOff val="5765"/>
+                <a:alphaOff val="0"/>
+                <a:lumMod val="99000"/>
+                <a:satMod val="120000"/>
+                <a:shade val="78000"/>
+              </a:schemeClr>
+            </a:gs>
+          </a:gsLst>
+          <a:lin ang="5400000" scaled="0"/>
+        </a:gradFill>
+        <a:ln>
+          <a:noFill/>
+        </a:ln>
+        <a:effectLst>
+          <a:outerShdw blurRad="57150" dist="19050" dir="5400000" algn="ctr" rotWithShape="0">
+            <a:srgbClr val="000000">
+              <a:alpha val="63000"/>
+            </a:srgbClr>
+          </a:outerShdw>
+        </a:effectLst>
+      </dsp:spPr>
+      <dsp:style>
+        <a:lnRef idx="0">
+          <a:scrgbClr r="0" g="0" b="0"/>
+        </a:lnRef>
+        <a:fillRef idx="3">
+          <a:scrgbClr r="0" g="0" b="0"/>
+        </a:fillRef>
+        <a:effectRef idx="3">
+          <a:scrgbClr r="0" g="0" b="0"/>
+        </a:effectRef>
+        <a:fontRef idx="minor">
+          <a:schemeClr val="lt1"/>
+        </a:fontRef>
+      </dsp:style>
+      <dsp:txBody>
+        <a:bodyPr spcFirstLastPara="0" vert="horz" wrap="square" lIns="142240" tIns="142240" rIns="142240" bIns="142240" numCol="1" spcCol="1270" anchor="ctr" anchorCtr="0">
+          <a:noAutofit/>
+        </a:bodyPr>
+        <a:lstStyle/>
+        <a:p>
+          <a:pPr marL="0" lvl="0" indent="0" algn="ctr" defTabSz="889000">
+            <a:lnSpc>
+              <a:spcPct val="90000"/>
+            </a:lnSpc>
+            <a:spcBef>
+              <a:spcPct val="0"/>
+            </a:spcBef>
+            <a:spcAft>
+              <a:spcPct val="35000"/>
+            </a:spcAft>
+            <a:buNone/>
+          </a:pPr>
+          <a:r>
+            <a:rPr lang="pt-PT" sz="2000" kern="1200" dirty="0"/>
+            <a:t>Simulação de dados</a:t>
+          </a:r>
+        </a:p>
+      </dsp:txBody>
+      <dsp:txXfrm>
+        <a:off x="4339669" y="1990196"/>
+        <a:ext cx="2397125" cy="1438275"/>
+      </dsp:txXfrm>
+    </dsp:sp>
+    <dsp:sp modelId="{64050FFC-24B5-41FB-AFB0-A5C19B515232}">
+      <dsp:nvSpPr>
+        <dsp:cNvPr id="0" name=""/>
+        <dsp:cNvSpPr/>
+      </dsp:nvSpPr>
+      <dsp:spPr>
+        <a:xfrm>
+          <a:off x="3786530" y="4653227"/>
+          <a:ext cx="520738" cy="91440"/>
+        </a:xfrm>
+        <a:custGeom>
+          <a:avLst/>
+          <a:gdLst/>
+          <a:ahLst/>
+          <a:cxnLst/>
+          <a:rect l="0" t="0" r="0" b="0"/>
+          <a:pathLst>
+            <a:path>
+              <a:moveTo>
+                <a:pt x="0" y="45720"/>
+              </a:moveTo>
+              <a:lnTo>
+                <a:pt x="520738" y="45720"/>
               </a:lnTo>
             </a:path>
           </a:pathLst>
@@ -1872,8 +2114,8 @@
         </a:p>
       </dsp:txBody>
       <dsp:txXfrm>
-        <a:off x="3989010" y="3684283"/>
-        <a:ext cx="149978" cy="5513"/>
+        <a:off x="4033116" y="4696190"/>
+        <a:ext cx="27566" cy="5513"/>
       </dsp:txXfrm>
     </dsp:sp>
     <dsp:sp modelId="{0CF00932-2D1F-4DC6-AC12-B87F8FE51E95}">
@@ -1883,7 +2125,7 @@
       </dsp:nvSpPr>
       <dsp:spPr>
         <a:xfrm>
-          <a:off x="4339669" y="1990196"/>
+          <a:off x="1391205" y="3979809"/>
           <a:ext cx="2397125" cy="1438275"/>
         </a:xfrm>
         <a:prstGeom prst="rect">
@@ -1893,9 +2135,9 @@
           <a:gsLst>
             <a:gs pos="0">
               <a:schemeClr val="accent4">
-                <a:hueOff val="7350668"/>
-                <a:satOff val="-30583"/>
-                <a:lumOff val="7206"/>
+                <a:hueOff val="7840713"/>
+                <a:satOff val="-32622"/>
+                <a:lumOff val="7686"/>
                 <a:alphaOff val="0"/>
                 <a:satMod val="103000"/>
                 <a:lumMod val="102000"/>
@@ -1904,9 +2146,9 @@
             </a:gs>
             <a:gs pos="50000">
               <a:schemeClr val="accent4">
-                <a:hueOff val="7350668"/>
-                <a:satOff val="-30583"/>
-                <a:lumOff val="7206"/>
+                <a:hueOff val="7840713"/>
+                <a:satOff val="-32622"/>
+                <a:lumOff val="7686"/>
                 <a:alphaOff val="0"/>
                 <a:satMod val="110000"/>
                 <a:lumMod val="100000"/>
@@ -1915,9 +2157,9 @@
             </a:gs>
             <a:gs pos="100000">
               <a:schemeClr val="accent4">
-                <a:hueOff val="7350668"/>
-                <a:satOff val="-30583"/>
-                <a:lumOff val="7206"/>
+                <a:hueOff val="7840713"/>
+                <a:satOff val="-32622"/>
+                <a:lumOff val="7686"/>
                 <a:alphaOff val="0"/>
                 <a:lumMod val="99000"/>
                 <a:satMod val="120000"/>
@@ -1972,23 +2214,23 @@
           </a:pPr>
           <a:r>
             <a:rPr lang="pt-PT" sz="2000" kern="1200" dirty="0"/>
-            <a:t>Constituição de portfolios com base nos dados simulados</a:t>
+            <a:t>Constituição de portfolios para cada um dos modelos</a:t>
           </a:r>
         </a:p>
       </dsp:txBody>
       <dsp:txXfrm>
-        <a:off x="4339669" y="1990196"/>
+        <a:off x="1391205" y="3979809"/>
         <a:ext cx="2397125" cy="1438275"/>
       </dsp:txXfrm>
     </dsp:sp>
-    <dsp:sp modelId="{97088E6E-C3FE-4F30-AE0A-DD98F78263A8}">
+    <dsp:sp modelId="{F863E81F-7C75-4A71-ADCF-3849CA76DFFF}">
       <dsp:nvSpPr>
         <dsp:cNvPr id="0" name=""/>
         <dsp:cNvSpPr/>
       </dsp:nvSpPr>
       <dsp:spPr>
         <a:xfrm>
-          <a:off x="1391205" y="3979809"/>
+          <a:off x="4339669" y="3979809"/>
           <a:ext cx="2397125" cy="1438275"/>
         </a:xfrm>
         <a:prstGeom prst="rect">
@@ -2077,20 +2319,12 @@
           </a:pPr>
           <a:r>
             <a:rPr lang="pt-PT" sz="2000" kern="1200" dirty="0"/>
-            <a:t>Calculo do </a:t>
-          </a:r>
-          <a:r>
-            <a:rPr lang="pt-PT" sz="2000" kern="1200" dirty="0" err="1"/>
-            <a:t>VaR</a:t>
-          </a:r>
-          <a:r>
-            <a:rPr lang="pt-PT" sz="2000" kern="1200" dirty="0"/>
-            <a:t> para cada um dos portfolios</a:t>
+            <a:t>Análise dos modelos obtidos</a:t>
           </a:r>
         </a:p>
       </dsp:txBody>
       <dsp:txXfrm>
-        <a:off x="1391205" y="3979809"/>
+        <a:off x="4339669" y="3979809"/>
         <a:ext cx="2397125" cy="1438275"/>
       </dsp:txXfrm>
     </dsp:sp>
@@ -3469,7 +3703,7 @@
           <a:p>
             <a:fld id="{5B2149C6-CA63-4692-9E8E-5B9DF4BE2890}" type="datetimeFigureOut">
               <a:rPr lang="pt-PT" smtClean="0"/>
-              <a:t>19/01/2021</a:t>
+              <a:t>31/01/2021</a:t>
             </a:fld>
             <a:endParaRPr lang="pt-PT"/>
           </a:p>
@@ -3669,7 +3903,7 @@
           <a:p>
             <a:fld id="{5B2149C6-CA63-4692-9E8E-5B9DF4BE2890}" type="datetimeFigureOut">
               <a:rPr lang="pt-PT" smtClean="0"/>
-              <a:t>19/01/2021</a:t>
+              <a:t>31/01/2021</a:t>
             </a:fld>
             <a:endParaRPr lang="pt-PT"/>
           </a:p>
@@ -3879,7 +4113,7 @@
           <a:p>
             <a:fld id="{5B2149C6-CA63-4692-9E8E-5B9DF4BE2890}" type="datetimeFigureOut">
               <a:rPr lang="pt-PT" smtClean="0"/>
-              <a:t>19/01/2021</a:t>
+              <a:t>31/01/2021</a:t>
             </a:fld>
             <a:endParaRPr lang="pt-PT"/>
           </a:p>
@@ -4079,7 +4313,7 @@
           <a:p>
             <a:fld id="{5B2149C6-CA63-4692-9E8E-5B9DF4BE2890}" type="datetimeFigureOut">
               <a:rPr lang="pt-PT" smtClean="0"/>
-              <a:t>19/01/2021</a:t>
+              <a:t>31/01/2021</a:t>
             </a:fld>
             <a:endParaRPr lang="pt-PT"/>
           </a:p>
@@ -4355,7 +4589,7 @@
           <a:p>
             <a:fld id="{5B2149C6-CA63-4692-9E8E-5B9DF4BE2890}" type="datetimeFigureOut">
               <a:rPr lang="pt-PT" smtClean="0"/>
-              <a:t>19/01/2021</a:t>
+              <a:t>31/01/2021</a:t>
             </a:fld>
             <a:endParaRPr lang="pt-PT"/>
           </a:p>
@@ -4623,7 +4857,7 @@
           <a:p>
             <a:fld id="{5B2149C6-CA63-4692-9E8E-5B9DF4BE2890}" type="datetimeFigureOut">
               <a:rPr lang="pt-PT" smtClean="0"/>
-              <a:t>19/01/2021</a:t>
+              <a:t>31/01/2021</a:t>
             </a:fld>
             <a:endParaRPr lang="pt-PT"/>
           </a:p>
@@ -5038,7 +5272,7 @@
           <a:p>
             <a:fld id="{5B2149C6-CA63-4692-9E8E-5B9DF4BE2890}" type="datetimeFigureOut">
               <a:rPr lang="pt-PT" smtClean="0"/>
-              <a:t>19/01/2021</a:t>
+              <a:t>31/01/2021</a:t>
             </a:fld>
             <a:endParaRPr lang="pt-PT"/>
           </a:p>
@@ -5180,7 +5414,7 @@
           <a:p>
             <a:fld id="{5B2149C6-CA63-4692-9E8E-5B9DF4BE2890}" type="datetimeFigureOut">
               <a:rPr lang="pt-PT" smtClean="0"/>
-              <a:t>19/01/2021</a:t>
+              <a:t>31/01/2021</a:t>
             </a:fld>
             <a:endParaRPr lang="pt-PT"/>
           </a:p>
@@ -5293,7 +5527,7 @@
           <a:p>
             <a:fld id="{5B2149C6-CA63-4692-9E8E-5B9DF4BE2890}" type="datetimeFigureOut">
               <a:rPr lang="pt-PT" smtClean="0"/>
-              <a:t>19/01/2021</a:t>
+              <a:t>31/01/2021</a:t>
             </a:fld>
             <a:endParaRPr lang="pt-PT"/>
           </a:p>
@@ -5606,7 +5840,7 @@
           <a:p>
             <a:fld id="{5B2149C6-CA63-4692-9E8E-5B9DF4BE2890}" type="datetimeFigureOut">
               <a:rPr lang="pt-PT" smtClean="0"/>
-              <a:t>19/01/2021</a:t>
+              <a:t>31/01/2021</a:t>
             </a:fld>
             <a:endParaRPr lang="pt-PT"/>
           </a:p>
@@ -5895,7 +6129,7 @@
           <a:p>
             <a:fld id="{5B2149C6-CA63-4692-9E8E-5B9DF4BE2890}" type="datetimeFigureOut">
               <a:rPr lang="pt-PT" smtClean="0"/>
-              <a:t>19/01/2021</a:t>
+              <a:t>31/01/2021</a:t>
             </a:fld>
             <a:endParaRPr lang="pt-PT"/>
           </a:p>
@@ -6138,7 +6372,7 @@
           <a:p>
             <a:fld id="{5B2149C6-CA63-4692-9E8E-5B9DF4BE2890}" type="datetimeFigureOut">
               <a:rPr lang="pt-PT" smtClean="0"/>
-              <a:t>19/01/2021</a:t>
+              <a:t>31/01/2021</a:t>
             </a:fld>
             <a:endParaRPr lang="pt-PT"/>
           </a:p>
@@ -6568,7 +6802,7 @@
           <p:nvPr>
             <p:extLst>
               <p:ext uri="{D42A27DB-BD31-4B8C-83A1-F6EECF244321}">
-                <p14:modId xmlns:p14="http://schemas.microsoft.com/office/powerpoint/2010/main" val="3852608246"/>
+                <p14:modId xmlns:p14="http://schemas.microsoft.com/office/powerpoint/2010/main" val="2902911560"/>
               </p:ext>
             </p:extLst>
           </p:nvPr>
